--- a/pokemonAR_powerpoint.pptx
+++ b/pokemonAR_powerpoint.pptx
@@ -7,12 +7,13 @@
   <p:sldIdLst>
     <p:sldId id="256" r:id="rId2"/>
     <p:sldId id="257" r:id="rId3"/>
-    <p:sldId id="260" r:id="rId4"/>
-    <p:sldId id="261" r:id="rId5"/>
-    <p:sldId id="258" r:id="rId6"/>
-    <p:sldId id="262" r:id="rId7"/>
-    <p:sldId id="263" r:id="rId8"/>
-    <p:sldId id="259" r:id="rId9"/>
+    <p:sldId id="264" r:id="rId4"/>
+    <p:sldId id="260" r:id="rId5"/>
+    <p:sldId id="261" r:id="rId6"/>
+    <p:sldId id="258" r:id="rId7"/>
+    <p:sldId id="262" r:id="rId8"/>
+    <p:sldId id="263" r:id="rId9"/>
+    <p:sldId id="259" r:id="rId10"/>
   </p:sldIdLst>
   <p:sldSz cx="12192000" cy="6858000"/>
   <p:notesSz cx="6858000" cy="9144000"/>
@@ -3010,6 +3011,16 @@
           <a:p>
             <a:r>
               <a:rPr lang="en-US" dirty="0" err="1"/>
+              <a:t>Pourquoi</a:t>
+            </a:r>
+            <a:r>
+              <a:rPr lang="en-US" dirty="0"/>
+              <a:t> ?</a:t>
+            </a:r>
+          </a:p>
+          <a:p>
+            <a:r>
+              <a:rPr lang="en-US" dirty="0" err="1"/>
               <a:t>C’est</a:t>
             </a:r>
             <a:r>
@@ -3072,7 +3083,13 @@
       </p:grpSpPr>
       <p:sp>
         <p:nvSpPr>
-          <p:cNvPr id="2" name="Title 1"/>
+          <p:cNvPr id="2" name="Titre 1">
+            <a:extLst>
+              <a:ext uri="{FF2B5EF4-FFF2-40B4-BE49-F238E27FC236}">
+                <a16:creationId xmlns:a16="http://schemas.microsoft.com/office/drawing/2014/main" id="{8CB0F32E-3835-4FB4-9E03-D508B4FED146}"/>
+              </a:ext>
+            </a:extLst>
+          </p:cNvPr>
           <p:cNvSpPr>
             <a:spLocks noGrp="1"/>
           </p:cNvSpPr>
@@ -3086,110 +3103,251 @@
           <a:lstStyle/>
           <a:p>
             <a:r>
-              <a:rPr lang="en-US" dirty="0" err="1"/>
-              <a:t>PokemonAR</a:t>
-            </a:r>
-            <a:r>
-              <a:rPr lang="en-US" dirty="0"/>
-              <a:t> </a:t>
-            </a:r>
-            <a:r>
-              <a:rPr lang="en-US" dirty="0" err="1"/>
-              <a:t>c’est</a:t>
-            </a:r>
-            <a:r>
-              <a:rPr lang="en-US" dirty="0"/>
-              <a:t> quoi ?</a:t>
-            </a:r>
-          </a:p>
-        </p:txBody>
-      </p:sp>
-      <p:sp>
-        <p:nvSpPr>
-          <p:cNvPr id="3" name="Content Placeholder 2"/>
-          <p:cNvSpPr>
-            <a:spLocks noGrp="1"/>
-          </p:cNvSpPr>
-          <p:nvPr>
-            <p:ph idx="1"/>
-          </p:nvPr>
-        </p:nvSpPr>
-        <p:spPr/>
-        <p:txBody>
-          <a:bodyPr/>
-          <a:lstStyle/>
-          <a:p>
-            <a:r>
-              <a:rPr lang="en-US" dirty="0"/>
-              <a:t>Il </a:t>
-            </a:r>
-            <a:r>
               <a:rPr lang="fr-FR" dirty="0"/>
-              <a:t>s’agit</a:t>
-            </a:r>
-            <a:r>
-              <a:rPr lang="en-US" dirty="0"/>
-              <a:t> </a:t>
-            </a:r>
-            <a:r>
-              <a:rPr lang="fr-FR" dirty="0"/>
-              <a:t>d’une</a:t>
-            </a:r>
-            <a:r>
-              <a:rPr lang="en-US" dirty="0"/>
-              <a:t> </a:t>
-            </a:r>
-            <a:r>
-              <a:rPr lang="fr-FR" dirty="0"/>
-              <a:t>réalité</a:t>
-            </a:r>
-            <a:r>
-              <a:rPr lang="en-US" dirty="0"/>
-              <a:t> </a:t>
-            </a:r>
-            <a:r>
-              <a:rPr lang="fr-FR" dirty="0"/>
-              <a:t>mixte</a:t>
-            </a:r>
-          </a:p>
-          <a:p>
-            <a:r>
-              <a:rPr lang="en-US" dirty="0"/>
-              <a:t>Transformer les </a:t>
-            </a:r>
-            <a:r>
-              <a:rPr lang="fr-FR" dirty="0"/>
-              <a:t>cartes</a:t>
-            </a:r>
-            <a:r>
-              <a:rPr lang="en-US" dirty="0"/>
-              <a:t> </a:t>
-            </a:r>
-            <a:r>
-              <a:rPr lang="en-US" dirty="0" err="1"/>
-              <a:t>pokémons</a:t>
-            </a:r>
-            <a:endParaRPr lang="en-US" dirty="0"/>
-          </a:p>
-          <a:p>
-            <a:r>
-              <a:rPr lang="en-US" dirty="0"/>
-              <a:t>Le Pokémon de la carte </a:t>
-            </a:r>
-            <a:r>
-              <a:rPr lang="fr-FR" dirty="0"/>
-              <a:t>apparaît</a:t>
-            </a:r>
-          </a:p>
-          <a:p>
-            <a:endParaRPr lang="en-US" dirty="0"/>
+              <a:t>Pourquoi ?</a:t>
+            </a:r>
+          </a:p>
+        </p:txBody>
+      </p:sp>
+      <p:pic>
+        <p:nvPicPr>
+          <p:cNvPr id="1026" name="Picture 2" descr="Je laisse mes enfants regarder la télé et je ne culpabilise pas (du tout)&quot;  - L'Express Styles">
+            <a:extLst>
+              <a:ext uri="{FF2B5EF4-FFF2-40B4-BE49-F238E27FC236}">
+                <a16:creationId xmlns:a16="http://schemas.microsoft.com/office/drawing/2014/main" id="{D1E2AE3F-73C5-4271-8B37-B66FC1AD9283}"/>
+              </a:ext>
+            </a:extLst>
+          </p:cNvPr>
+          <p:cNvPicPr>
+            <a:picLocks noChangeArrowheads="1"/>
+          </p:cNvPicPr>
+          <p:nvPr/>
+        </p:nvPicPr>
+        <p:blipFill>
+          <a:blip r:embed="rId2" cstate="print">
+            <a:extLst>
+              <a:ext uri="{28A0092B-C50C-407E-A947-70E740481C1C}">
+                <a14:useLocalDpi xmlns:a14="http://schemas.microsoft.com/office/drawing/2010/main" val="0"/>
+              </a:ext>
+            </a:extLst>
+          </a:blip>
+          <a:srcRect/>
+          <a:stretch>
+            <a:fillRect/>
+          </a:stretch>
+        </p:blipFill>
+        <p:spPr bwMode="auto">
+          <a:xfrm>
+            <a:off x="227428" y="2602705"/>
+            <a:ext cx="3240000" cy="1800000"/>
+          </a:xfrm>
+          <a:prstGeom prst="rect">
+            <a:avLst/>
+          </a:prstGeom>
+          <a:noFill/>
+          <a:extLst>
+            <a:ext uri="{909E8E84-426E-40DD-AFC4-6F175D3DCCD1}">
+              <a14:hiddenFill xmlns:a14="http://schemas.microsoft.com/office/drawing/2010/main">
+                <a:solidFill>
+                  <a:srgbClr val="FFFFFF"/>
+                </a:solidFill>
+              </a14:hiddenFill>
+            </a:ext>
+          </a:extLst>
+        </p:spPr>
+      </p:pic>
+      <p:pic>
+        <p:nvPicPr>
+          <p:cNvPr id="1028" name="Picture 4" descr="Pourquoi ma mère dit toujours OUI et mon père dit toujours NON ?">
+            <a:extLst>
+              <a:ext uri="{FF2B5EF4-FFF2-40B4-BE49-F238E27FC236}">
+                <a16:creationId xmlns:a16="http://schemas.microsoft.com/office/drawing/2014/main" id="{4B17D1B3-E38F-4106-8721-28CC907C2D17}"/>
+              </a:ext>
+            </a:extLst>
+          </p:cNvPr>
+          <p:cNvPicPr>
+            <a:picLocks noChangeArrowheads="1"/>
+          </p:cNvPicPr>
+          <p:nvPr/>
+        </p:nvPicPr>
+        <p:blipFill>
+          <a:blip r:embed="rId3" cstate="print">
+            <a:extLst>
+              <a:ext uri="{28A0092B-C50C-407E-A947-70E740481C1C}">
+                <a14:useLocalDpi xmlns:a14="http://schemas.microsoft.com/office/drawing/2010/main" val="0"/>
+              </a:ext>
+            </a:extLst>
+          </a:blip>
+          <a:srcRect/>
+          <a:stretch>
+            <a:fillRect/>
+          </a:stretch>
+        </p:blipFill>
+        <p:spPr bwMode="auto">
+          <a:xfrm>
+            <a:off x="4345032" y="2602705"/>
+            <a:ext cx="3240000" cy="1800000"/>
+          </a:xfrm>
+          <a:prstGeom prst="rect">
+            <a:avLst/>
+          </a:prstGeom>
+          <a:noFill/>
+          <a:extLst>
+            <a:ext uri="{909E8E84-426E-40DD-AFC4-6F175D3DCCD1}">
+              <a14:hiddenFill xmlns:a14="http://schemas.microsoft.com/office/drawing/2010/main">
+                <a:solidFill>
+                  <a:srgbClr val="FFFFFF"/>
+                </a:solidFill>
+              </a14:hiddenFill>
+            </a:ext>
+          </a:extLst>
+        </p:spPr>
+      </p:pic>
+      <p:pic>
+        <p:nvPicPr>
+          <p:cNvPr id="1030" name="Picture 6" descr="Sticker de Pipe-Bomb sur other kakakak sacha pokemon pleure triste -  Sticker ID : 130954">
+            <a:extLst>
+              <a:ext uri="{FF2B5EF4-FFF2-40B4-BE49-F238E27FC236}">
+                <a16:creationId xmlns:a16="http://schemas.microsoft.com/office/drawing/2014/main" id="{FA6CB941-A897-4638-BD1E-C476F18710F6}"/>
+              </a:ext>
+            </a:extLst>
+          </p:cNvPr>
+          <p:cNvPicPr>
+            <a:picLocks noChangeArrowheads="1"/>
+          </p:cNvPicPr>
+          <p:nvPr/>
+        </p:nvPicPr>
+        <p:blipFill>
+          <a:blip r:embed="rId4">
+            <a:extLst>
+              <a:ext uri="{28A0092B-C50C-407E-A947-70E740481C1C}">
+                <a14:useLocalDpi xmlns:a14="http://schemas.microsoft.com/office/drawing/2010/main" val="0"/>
+              </a:ext>
+            </a:extLst>
+          </a:blip>
+          <a:srcRect/>
+          <a:stretch>
+            <a:fillRect/>
+          </a:stretch>
+        </p:blipFill>
+        <p:spPr bwMode="auto">
+          <a:xfrm>
+            <a:off x="8462637" y="2529000"/>
+            <a:ext cx="3240000" cy="1800000"/>
+          </a:xfrm>
+          <a:prstGeom prst="rect">
+            <a:avLst/>
+          </a:prstGeom>
+          <a:noFill/>
+          <a:extLst>
+            <a:ext uri="{909E8E84-426E-40DD-AFC4-6F175D3DCCD1}">
+              <a14:hiddenFill xmlns:a14="http://schemas.microsoft.com/office/drawing/2010/main">
+                <a:solidFill>
+                  <a:srgbClr val="FFFFFF"/>
+                </a:solidFill>
+              </a14:hiddenFill>
+            </a:ext>
+          </a:extLst>
+        </p:spPr>
+      </p:pic>
+      <p:sp>
+        <p:nvSpPr>
+          <p:cNvPr id="4" name="ZoneTexte 3">
+            <a:extLst>
+              <a:ext uri="{FF2B5EF4-FFF2-40B4-BE49-F238E27FC236}">
+                <a16:creationId xmlns:a16="http://schemas.microsoft.com/office/drawing/2014/main" id="{4DF93C3E-81E4-4F45-8CF4-87A3E4AC80B2}"/>
+              </a:ext>
+            </a:extLst>
+          </p:cNvPr>
+          <p:cNvSpPr txBox="1"/>
+          <p:nvPr/>
+        </p:nvSpPr>
+        <p:spPr>
+          <a:xfrm>
+            <a:off x="227428" y="4508848"/>
+            <a:ext cx="3467427" cy="923330"/>
+          </a:xfrm>
+          <a:prstGeom prst="rect">
+            <a:avLst/>
+          </a:prstGeom>
+          <a:noFill/>
+        </p:spPr>
+        <p:txBody>
+          <a:bodyPr wrap="square" rtlCol="0">
+            <a:spAutoFit/>
+          </a:bodyPr>
+          <a:lstStyle/>
+          <a:p>
+            <a:r>
+              <a:rPr lang="fr-FR" dirty="0">
+                <a:solidFill>
+                  <a:schemeClr val="bg1"/>
+                </a:solidFill>
+              </a:rPr>
+              <a:t>- Maman, maman je rêve d’être le plus grand dresseur </a:t>
+            </a:r>
+            <a:r>
+              <a:rPr lang="fr-FR" dirty="0" err="1">
+                <a:solidFill>
+                  <a:schemeClr val="bg1"/>
+                </a:solidFill>
+              </a:rPr>
+              <a:t>pokémon</a:t>
+            </a:r>
+            <a:r>
+              <a:rPr lang="fr-FR" dirty="0">
+                <a:solidFill>
+                  <a:schemeClr val="bg1"/>
+                </a:solidFill>
+              </a:rPr>
+              <a:t> comme à la TV !</a:t>
+            </a:r>
+          </a:p>
+        </p:txBody>
+      </p:sp>
+      <p:sp>
+        <p:nvSpPr>
+          <p:cNvPr id="5" name="ZoneTexte 4">
+            <a:extLst>
+              <a:ext uri="{FF2B5EF4-FFF2-40B4-BE49-F238E27FC236}">
+                <a16:creationId xmlns:a16="http://schemas.microsoft.com/office/drawing/2014/main" id="{A8AA4B84-552C-422B-8D43-3CB29AAB0584}"/>
+              </a:ext>
+            </a:extLst>
+          </p:cNvPr>
+          <p:cNvSpPr txBox="1"/>
+          <p:nvPr/>
+        </p:nvSpPr>
+        <p:spPr>
+          <a:xfrm>
+            <a:off x="4636294" y="4471856"/>
+            <a:ext cx="2657475" cy="923330"/>
+          </a:xfrm>
+          <a:prstGeom prst="rect">
+            <a:avLst/>
+          </a:prstGeom>
+          <a:noFill/>
+        </p:spPr>
+        <p:txBody>
+          <a:bodyPr wrap="square" rtlCol="0">
+            <a:spAutoFit/>
+          </a:bodyPr>
+          <a:lstStyle/>
+          <a:p>
+            <a:r>
+              <a:rPr lang="fr-FR" dirty="0">
+                <a:solidFill>
+                  <a:schemeClr val="bg1"/>
+                </a:solidFill>
+              </a:rPr>
+              <a:t>- Mon chérie, tu sais bien que ça n’existe pas…</a:t>
+            </a:r>
           </a:p>
         </p:txBody>
       </p:sp>
     </p:spTree>
     <p:extLst>
       <p:ext uri="{BB962C8B-B14F-4D97-AF65-F5344CB8AC3E}">
-        <p14:creationId xmlns:p14="http://schemas.microsoft.com/office/powerpoint/2010/main" val="1891718351"/>
+        <p14:creationId xmlns:p14="http://schemas.microsoft.com/office/powerpoint/2010/main" val="4114733427"/>
       </p:ext>
     </p:extLst>
   </p:cSld>
@@ -3218,6 +3376,152 @@
       </p:grpSpPr>
       <p:sp>
         <p:nvSpPr>
+          <p:cNvPr id="2" name="Title 1"/>
+          <p:cNvSpPr>
+            <a:spLocks noGrp="1"/>
+          </p:cNvSpPr>
+          <p:nvPr>
+            <p:ph type="title"/>
+          </p:nvPr>
+        </p:nvSpPr>
+        <p:spPr/>
+        <p:txBody>
+          <a:bodyPr/>
+          <a:lstStyle/>
+          <a:p>
+            <a:r>
+              <a:rPr lang="en-US" dirty="0" err="1"/>
+              <a:t>PokemonAR</a:t>
+            </a:r>
+            <a:r>
+              <a:rPr lang="en-US" dirty="0"/>
+              <a:t> </a:t>
+            </a:r>
+            <a:r>
+              <a:rPr lang="en-US" dirty="0" err="1"/>
+              <a:t>c’est</a:t>
+            </a:r>
+            <a:r>
+              <a:rPr lang="en-US" dirty="0"/>
+              <a:t> quoi ?</a:t>
+            </a:r>
+          </a:p>
+        </p:txBody>
+      </p:sp>
+      <p:sp>
+        <p:nvSpPr>
+          <p:cNvPr id="3" name="Content Placeholder 2"/>
+          <p:cNvSpPr>
+            <a:spLocks noGrp="1"/>
+          </p:cNvSpPr>
+          <p:nvPr>
+            <p:ph idx="1"/>
+          </p:nvPr>
+        </p:nvSpPr>
+        <p:spPr/>
+        <p:txBody>
+          <a:bodyPr/>
+          <a:lstStyle/>
+          <a:p>
+            <a:r>
+              <a:rPr lang="en-US" dirty="0"/>
+              <a:t>Il </a:t>
+            </a:r>
+            <a:r>
+              <a:rPr lang="fr-FR" dirty="0"/>
+              <a:t>s’agit</a:t>
+            </a:r>
+            <a:r>
+              <a:rPr lang="en-US" dirty="0"/>
+              <a:t> </a:t>
+            </a:r>
+            <a:r>
+              <a:rPr lang="fr-FR" dirty="0"/>
+              <a:t>d’une</a:t>
+            </a:r>
+            <a:r>
+              <a:rPr lang="en-US" dirty="0"/>
+              <a:t> </a:t>
+            </a:r>
+            <a:r>
+              <a:rPr lang="fr-FR" dirty="0"/>
+              <a:t>réalité</a:t>
+            </a:r>
+            <a:r>
+              <a:rPr lang="en-US" dirty="0"/>
+              <a:t> </a:t>
+            </a:r>
+            <a:r>
+              <a:rPr lang="fr-FR" dirty="0"/>
+              <a:t>mixte</a:t>
+            </a:r>
+          </a:p>
+          <a:p>
+            <a:r>
+              <a:rPr lang="en-US" dirty="0"/>
+              <a:t>Transformer les </a:t>
+            </a:r>
+            <a:r>
+              <a:rPr lang="fr-FR" dirty="0"/>
+              <a:t>cartes</a:t>
+            </a:r>
+            <a:r>
+              <a:rPr lang="en-US" dirty="0"/>
+              <a:t> </a:t>
+            </a:r>
+            <a:r>
+              <a:rPr lang="en-US" dirty="0" err="1"/>
+              <a:t>pokémons</a:t>
+            </a:r>
+            <a:endParaRPr lang="en-US" dirty="0"/>
+          </a:p>
+          <a:p>
+            <a:r>
+              <a:rPr lang="en-US" dirty="0"/>
+              <a:t>Le Pokémon de la carte </a:t>
+            </a:r>
+            <a:r>
+              <a:rPr lang="fr-FR" dirty="0"/>
+              <a:t>apparaît</a:t>
+            </a:r>
+          </a:p>
+          <a:p>
+            <a:endParaRPr lang="en-US" dirty="0"/>
+          </a:p>
+        </p:txBody>
+      </p:sp>
+    </p:spTree>
+    <p:extLst>
+      <p:ext uri="{BB962C8B-B14F-4D97-AF65-F5344CB8AC3E}">
+        <p14:creationId xmlns:p14="http://schemas.microsoft.com/office/powerpoint/2010/main" val="1891718351"/>
+      </p:ext>
+    </p:extLst>
+  </p:cSld>
+  <p:clrMapOvr>
+    <a:masterClrMapping/>
+  </p:clrMapOvr>
+</p:sld>
+</file>
+
+<file path=ppt/slides/slide5.xml><?xml version="1.0" encoding="utf-8"?>
+<p:sld xmlns:a="http://schemas.openxmlformats.org/drawingml/2006/main" xmlns:r="http://schemas.openxmlformats.org/officeDocument/2006/relationships" xmlns:p="http://schemas.openxmlformats.org/presentationml/2006/main">
+  <p:cSld>
+    <p:spTree>
+      <p:nvGrpSpPr>
+        <p:cNvPr id="1" name=""/>
+        <p:cNvGrpSpPr/>
+        <p:nvPr/>
+      </p:nvGrpSpPr>
+      <p:grpSpPr>
+        <a:xfrm>
+          <a:off x="0" y="0"/>
+          <a:ext cx="0" cy="0"/>
+          <a:chOff x="0" y="0"/>
+          <a:chExt cx="0" cy="0"/>
+        </a:xfrm>
+      </p:grpSpPr>
+      <p:sp>
+        <p:nvSpPr>
           <p:cNvPr id="2" name="Titre 1">
             <a:extLst>
               <a:ext uri="{FF2B5EF4-FFF2-40B4-BE49-F238E27FC236}">
@@ -3293,7 +3597,7 @@
 </p:sld>
 </file>
 
-<file path=ppt/slides/slide5.xml><?xml version="1.0" encoding="utf-8"?>
+<file path=ppt/slides/slide6.xml><?xml version="1.0" encoding="utf-8"?>
 <p:sld xmlns:a="http://schemas.openxmlformats.org/drawingml/2006/main" xmlns:r="http://schemas.openxmlformats.org/officeDocument/2006/relationships" xmlns:p="http://schemas.openxmlformats.org/presentationml/2006/main">
   <p:cSld>
     <p:spTree>
@@ -3416,7 +3720,7 @@
 </p:sld>
 </file>
 
-<file path=ppt/slides/slide6.xml><?xml version="1.0" encoding="utf-8"?>
+<file path=ppt/slides/slide7.xml><?xml version="1.0" encoding="utf-8"?>
 <p:sld xmlns:a="http://schemas.openxmlformats.org/drawingml/2006/main" xmlns:r="http://schemas.openxmlformats.org/officeDocument/2006/relationships" xmlns:p="http://schemas.openxmlformats.org/presentationml/2006/main">
   <p:cSld>
     <p:spTree>
@@ -3539,7 +3843,7 @@
 </p:sld>
 </file>
 
-<file path=ppt/slides/slide7.xml><?xml version="1.0" encoding="utf-8"?>
+<file path=ppt/slides/slide8.xml><?xml version="1.0" encoding="utf-8"?>
 <p:sld xmlns:a="http://schemas.openxmlformats.org/drawingml/2006/main" xmlns:r="http://schemas.openxmlformats.org/officeDocument/2006/relationships" xmlns:p="http://schemas.openxmlformats.org/presentationml/2006/main">
   <p:cSld>
     <p:spTree>
@@ -3640,7 +3944,7 @@
 </p:sld>
 </file>
 
-<file path=ppt/slides/slide8.xml><?xml version="1.0" encoding="utf-8"?>
+<file path=ppt/slides/slide9.xml><?xml version="1.0" encoding="utf-8"?>
 <p:sld xmlns:a="http://schemas.openxmlformats.org/drawingml/2006/main" xmlns:r="http://schemas.openxmlformats.org/officeDocument/2006/relationships" xmlns:p="http://schemas.openxmlformats.org/presentationml/2006/main">
   <p:cSld>
     <p:spTree>
